--- a/사업계획서/Week6/EWon_SWOT_6주차 제출용.pptx
+++ b/사업계획서/Week6/EWon_SWOT_6주차 제출용.pptx
@@ -2893,7 +2893,7 @@
           <a:p>
             <a:fld id="{CCDEF1E5-4998-47F2-BF49-17A47DE06D98}" type="datetimeFigureOut">
               <a:rPr lang="ko-KR" altLang="en-US" smtClean="0"/>
-              <a:t>2021-04-13</a:t>
+              <a:t>2021-04-15</a:t>
             </a:fld>
             <a:endParaRPr lang="ko-KR" altLang="en-US"/>
           </a:p>
@@ -3061,7 +3061,7 @@
           <a:p>
             <a:fld id="{CCDEF1E5-4998-47F2-BF49-17A47DE06D98}" type="datetimeFigureOut">
               <a:rPr lang="ko-KR" altLang="en-US" smtClean="0"/>
-              <a:t>2021-04-13</a:t>
+              <a:t>2021-04-15</a:t>
             </a:fld>
             <a:endParaRPr lang="ko-KR" altLang="en-US"/>
           </a:p>
@@ -3239,7 +3239,7 @@
           <a:p>
             <a:fld id="{CCDEF1E5-4998-47F2-BF49-17A47DE06D98}" type="datetimeFigureOut">
               <a:rPr lang="ko-KR" altLang="en-US" smtClean="0"/>
-              <a:t>2021-04-13</a:t>
+              <a:t>2021-04-15</a:t>
             </a:fld>
             <a:endParaRPr lang="ko-KR" altLang="en-US"/>
           </a:p>
@@ -3407,7 +3407,7 @@
           <a:p>
             <a:fld id="{CCDEF1E5-4998-47F2-BF49-17A47DE06D98}" type="datetimeFigureOut">
               <a:rPr lang="ko-KR" altLang="en-US" smtClean="0"/>
-              <a:t>2021-04-13</a:t>
+              <a:t>2021-04-15</a:t>
             </a:fld>
             <a:endParaRPr lang="ko-KR" altLang="en-US"/>
           </a:p>
@@ -3652,7 +3652,7 @@
           <a:p>
             <a:fld id="{CCDEF1E5-4998-47F2-BF49-17A47DE06D98}" type="datetimeFigureOut">
               <a:rPr lang="ko-KR" altLang="en-US" smtClean="0"/>
-              <a:t>2021-04-13</a:t>
+              <a:t>2021-04-15</a:t>
             </a:fld>
             <a:endParaRPr lang="ko-KR" altLang="en-US"/>
           </a:p>
@@ -3881,7 +3881,7 @@
           <a:p>
             <a:fld id="{CCDEF1E5-4998-47F2-BF49-17A47DE06D98}" type="datetimeFigureOut">
               <a:rPr lang="ko-KR" altLang="en-US" smtClean="0"/>
-              <a:t>2021-04-13</a:t>
+              <a:t>2021-04-15</a:t>
             </a:fld>
             <a:endParaRPr lang="ko-KR" altLang="en-US"/>
           </a:p>
@@ -4245,7 +4245,7 @@
           <a:p>
             <a:fld id="{CCDEF1E5-4998-47F2-BF49-17A47DE06D98}" type="datetimeFigureOut">
               <a:rPr lang="ko-KR" altLang="en-US" smtClean="0"/>
-              <a:t>2021-04-13</a:t>
+              <a:t>2021-04-15</a:t>
             </a:fld>
             <a:endParaRPr lang="ko-KR" altLang="en-US"/>
           </a:p>
@@ -4362,7 +4362,7 @@
           <a:p>
             <a:fld id="{CCDEF1E5-4998-47F2-BF49-17A47DE06D98}" type="datetimeFigureOut">
               <a:rPr lang="ko-KR" altLang="en-US" smtClean="0"/>
-              <a:t>2021-04-13</a:t>
+              <a:t>2021-04-15</a:t>
             </a:fld>
             <a:endParaRPr lang="ko-KR" altLang="en-US"/>
           </a:p>
@@ -4457,7 +4457,7 @@
           <a:p>
             <a:fld id="{CCDEF1E5-4998-47F2-BF49-17A47DE06D98}" type="datetimeFigureOut">
               <a:rPr lang="ko-KR" altLang="en-US" smtClean="0"/>
-              <a:t>2021-04-13</a:t>
+              <a:t>2021-04-15</a:t>
             </a:fld>
             <a:endParaRPr lang="ko-KR" altLang="en-US"/>
           </a:p>
@@ -4732,7 +4732,7 @@
           <a:p>
             <a:fld id="{CCDEF1E5-4998-47F2-BF49-17A47DE06D98}" type="datetimeFigureOut">
               <a:rPr lang="ko-KR" altLang="en-US" smtClean="0"/>
-              <a:t>2021-04-13</a:t>
+              <a:t>2021-04-15</a:t>
             </a:fld>
             <a:endParaRPr lang="ko-KR" altLang="en-US"/>
           </a:p>
@@ -4984,7 +4984,7 @@
           <a:p>
             <a:fld id="{CCDEF1E5-4998-47F2-BF49-17A47DE06D98}" type="datetimeFigureOut">
               <a:rPr lang="ko-KR" altLang="en-US" smtClean="0"/>
-              <a:t>2021-04-13</a:t>
+              <a:t>2021-04-15</a:t>
             </a:fld>
             <a:endParaRPr lang="ko-KR" altLang="en-US"/>
           </a:p>
@@ -5198,7 +5198,7 @@
           <a:p>
             <a:fld id="{CCDEF1E5-4998-47F2-BF49-17A47DE06D98}" type="datetimeFigureOut">
               <a:rPr lang="ko-KR" altLang="en-US" smtClean="0"/>
-              <a:t>2021-04-13</a:t>
+              <a:t>2021-04-15</a:t>
             </a:fld>
             <a:endParaRPr lang="ko-KR" altLang="en-US"/>
           </a:p>
@@ -5660,7 +5660,7 @@
         </p:nvSpPr>
         <p:spPr>
           <a:xfrm>
-            <a:off x="5306364" y="1893546"/>
+            <a:off x="5306361" y="2187161"/>
             <a:ext cx="1579278" cy="830997"/>
           </a:xfrm>
           <a:prstGeom prst="rect">
@@ -12127,8 +12127,8 @@
         </p:nvSpPr>
         <p:spPr>
           <a:xfrm>
-            <a:off x="1867059" y="1525603"/>
-            <a:ext cx="3438365" cy="338554"/>
+            <a:off x="1867058" y="1215210"/>
+            <a:ext cx="9115107" cy="369332"/>
           </a:xfrm>
           <a:prstGeom prst="rect">
             <a:avLst/>
@@ -12141,6 +12141,23 @@
           </a:bodyPr>
           <a:lstStyle/>
           <a:p>
+            <a:r>
+              <a:rPr lang="en-US" altLang="ko-KR" sz="1600" dirty="0">
+                <a:ln>
+                  <a:solidFill>
+                    <a:srgbClr val="46546B">
+                      <a:alpha val="0"/>
+                    </a:srgbClr>
+                  </a:solidFill>
+                </a:ln>
+                <a:solidFill>
+                  <a:srgbClr val="46546B"/>
+                </a:solidFill>
+                <a:latin typeface="-윤고딕340" panose="02030504000101010101" pitchFamily="18" charset="-127"/>
+                <a:ea typeface="-윤고딕340" panose="02030504000101010101" pitchFamily="18" charset="-127"/>
+              </a:rPr>
+              <a:t>1. </a:t>
+            </a:r>
             <a:r>
               <a:rPr lang="ko-KR" altLang="en-US" sz="1600" dirty="0">
                 <a:ln>
@@ -12156,8 +12173,73 @@
                 <a:latin typeface="-윤고딕340" panose="02030504000101010101" pitchFamily="18" charset="-127"/>
                 <a:ea typeface="-윤고딕340" panose="02030504000101010101" pitchFamily="18" charset="-127"/>
               </a:rPr>
-              <a:t>강점을 가지고 기회를 살리는 전략</a:t>
-            </a:r>
+              <a:t>실물카드 대신 온라인에 카드를 등록하여 사용하는 부분에서 </a:t>
+            </a:r>
+            <a:r>
+              <a:rPr lang="ko-KR" altLang="en-US" dirty="0">
+                <a:ln>
+                  <a:solidFill>
+                    <a:srgbClr val="46546B">
+                      <a:alpha val="0"/>
+                    </a:srgbClr>
+                  </a:solidFill>
+                </a:ln>
+                <a:solidFill>
+                  <a:srgbClr val="46546B"/>
+                </a:solidFill>
+                <a:latin typeface="-윤고딕340" panose="02030504000101010101" pitchFamily="18" charset="-127"/>
+                <a:ea typeface="-윤고딕340" panose="02030504000101010101" pitchFamily="18" charset="-127"/>
+              </a:rPr>
+              <a:t>보안성</a:t>
+            </a:r>
+            <a:r>
+              <a:rPr lang="ko-KR" altLang="en-US" sz="1600" dirty="0">
+                <a:ln>
+                  <a:solidFill>
+                    <a:srgbClr val="46546B">
+                      <a:alpha val="0"/>
+                    </a:srgbClr>
+                  </a:solidFill>
+                </a:ln>
+                <a:solidFill>
+                  <a:srgbClr val="46546B"/>
+                </a:solidFill>
+                <a:latin typeface="-윤고딕340" panose="02030504000101010101" pitchFamily="18" charset="-127"/>
+                <a:ea typeface="-윤고딕340" panose="02030504000101010101" pitchFamily="18" charset="-127"/>
+              </a:rPr>
+              <a:t>이 문제가 되지 않을까요</a:t>
+            </a:r>
+            <a:r>
+              <a:rPr lang="en-US" altLang="ko-KR" sz="1600" dirty="0">
+                <a:ln>
+                  <a:solidFill>
+                    <a:srgbClr val="46546B">
+                      <a:alpha val="0"/>
+                    </a:srgbClr>
+                  </a:solidFill>
+                </a:ln>
+                <a:solidFill>
+                  <a:srgbClr val="46546B"/>
+                </a:solidFill>
+                <a:latin typeface="-윤고딕340" panose="02030504000101010101" pitchFamily="18" charset="-127"/>
+                <a:ea typeface="-윤고딕340" panose="02030504000101010101" pitchFamily="18" charset="-127"/>
+              </a:rPr>
+              <a:t>?</a:t>
+            </a:r>
+            <a:endParaRPr lang="ko-KR" altLang="en-US" sz="1600" dirty="0">
+              <a:ln>
+                <a:solidFill>
+                  <a:srgbClr val="46546B">
+                    <a:alpha val="0"/>
+                  </a:srgbClr>
+                </a:solidFill>
+              </a:ln>
+              <a:solidFill>
+                <a:srgbClr val="46546B"/>
+              </a:solidFill>
+              <a:latin typeface="-윤고딕340" panose="02030504000101010101" pitchFamily="18" charset="-127"/>
+              <a:ea typeface="-윤고딕340" panose="02030504000101010101" pitchFamily="18" charset="-127"/>
+            </a:endParaRPr>
           </a:p>
         </p:txBody>
       </p:sp>
@@ -12175,7 +12257,7 @@
         </p:nvSpPr>
         <p:spPr>
           <a:xfrm>
-            <a:off x="1209834" y="1366267"/>
+            <a:off x="1209834" y="1055874"/>
             <a:ext cx="657225" cy="657225"/>
           </a:xfrm>
           <a:prstGeom prst="ellipse">
@@ -12249,8 +12331,8 @@
         </p:nvSpPr>
         <p:spPr>
           <a:xfrm>
-            <a:off x="1867059" y="3588336"/>
-            <a:ext cx="3438365" cy="338554"/>
+            <a:off x="1867059" y="3806450"/>
+            <a:ext cx="9115106" cy="584775"/>
           </a:xfrm>
           <a:prstGeom prst="rect">
             <a:avLst/>
@@ -12263,6 +12345,23 @@
           </a:bodyPr>
           <a:lstStyle/>
           <a:p>
+            <a:r>
+              <a:rPr lang="en-US" altLang="ko-KR" sz="1600" dirty="0">
+                <a:ln>
+                  <a:solidFill>
+                    <a:srgbClr val="46546B">
+                      <a:alpha val="0"/>
+                    </a:srgbClr>
+                  </a:solidFill>
+                </a:ln>
+                <a:solidFill>
+                  <a:srgbClr val="46546B"/>
+                </a:solidFill>
+                <a:latin typeface="-윤고딕340" panose="02030504000101010101" pitchFamily="18" charset="-127"/>
+                <a:ea typeface="-윤고딕340" panose="02030504000101010101" pitchFamily="18" charset="-127"/>
+              </a:rPr>
+              <a:t>2. </a:t>
+            </a:r>
             <a:r>
               <a:rPr lang="ko-KR" altLang="en-US" sz="1600" dirty="0">
                 <a:ln>
@@ -12278,8 +12377,107 @@
                 <a:latin typeface="-윤고딕340" panose="02030504000101010101" pitchFamily="18" charset="-127"/>
                 <a:ea typeface="-윤고딕340" panose="02030504000101010101" pitchFamily="18" charset="-127"/>
               </a:rPr>
-              <a:t>강점을 가지고 기회를 살리는 전략</a:t>
-            </a:r>
+              <a:t>카카오페이</a:t>
+            </a:r>
+            <a:r>
+              <a:rPr lang="en-US" altLang="ko-KR" sz="1600" dirty="0">
+                <a:ln>
+                  <a:solidFill>
+                    <a:srgbClr val="46546B">
+                      <a:alpha val="0"/>
+                    </a:srgbClr>
+                  </a:solidFill>
+                </a:ln>
+                <a:solidFill>
+                  <a:srgbClr val="46546B"/>
+                </a:solidFill>
+                <a:latin typeface="-윤고딕340" panose="02030504000101010101" pitchFamily="18" charset="-127"/>
+                <a:ea typeface="-윤고딕340" panose="02030504000101010101" pitchFamily="18" charset="-127"/>
+              </a:rPr>
+              <a:t>, </a:t>
+            </a:r>
+            <a:r>
+              <a:rPr lang="ko-KR" altLang="en-US" sz="1600" dirty="0">
+                <a:ln>
+                  <a:solidFill>
+                    <a:srgbClr val="46546B">
+                      <a:alpha val="0"/>
+                    </a:srgbClr>
+                  </a:solidFill>
+                </a:ln>
+                <a:solidFill>
+                  <a:srgbClr val="46546B"/>
+                </a:solidFill>
+                <a:latin typeface="-윤고딕340" panose="02030504000101010101" pitchFamily="18" charset="-127"/>
+                <a:ea typeface="-윤고딕340" panose="02030504000101010101" pitchFamily="18" charset="-127"/>
+              </a:rPr>
+              <a:t>삼성페이 같이 카드가 아닌 다른 결제 플랫폼을 통해서 결제 시 추가 혜택을 받을 수 있는데</a:t>
+            </a:r>
+            <a:r>
+              <a:rPr lang="en-US" altLang="ko-KR" sz="1600" dirty="0">
+                <a:ln>
+                  <a:solidFill>
+                    <a:srgbClr val="46546B">
+                      <a:alpha val="0"/>
+                    </a:srgbClr>
+                  </a:solidFill>
+                </a:ln>
+                <a:solidFill>
+                  <a:srgbClr val="46546B"/>
+                </a:solidFill>
+                <a:latin typeface="-윤고딕340" panose="02030504000101010101" pitchFamily="18" charset="-127"/>
+                <a:ea typeface="-윤고딕340" panose="02030504000101010101" pitchFamily="18" charset="-127"/>
+              </a:rPr>
+              <a:t>, </a:t>
+            </a:r>
+            <a:r>
+              <a:rPr lang="ko-KR" altLang="en-US" sz="1600" dirty="0">
+                <a:ln>
+                  <a:solidFill>
+                    <a:srgbClr val="46546B">
+                      <a:alpha val="0"/>
+                    </a:srgbClr>
+                  </a:solidFill>
+                </a:ln>
+                <a:solidFill>
+                  <a:srgbClr val="46546B"/>
+                </a:solidFill>
+                <a:latin typeface="-윤고딕340" panose="02030504000101010101" pitchFamily="18" charset="-127"/>
+                <a:ea typeface="-윤고딕340" panose="02030504000101010101" pitchFamily="18" charset="-127"/>
+              </a:rPr>
+              <a:t>이에 대한 추천까지 적용하여 서비스를 제공할 예정인가요</a:t>
+            </a:r>
+            <a:r>
+              <a:rPr lang="en-US" altLang="ko-KR" sz="1600" dirty="0">
+                <a:ln>
+                  <a:solidFill>
+                    <a:srgbClr val="46546B">
+                      <a:alpha val="0"/>
+                    </a:srgbClr>
+                  </a:solidFill>
+                </a:ln>
+                <a:solidFill>
+                  <a:srgbClr val="46546B"/>
+                </a:solidFill>
+                <a:latin typeface="-윤고딕340" panose="02030504000101010101" pitchFamily="18" charset="-127"/>
+                <a:ea typeface="-윤고딕340" panose="02030504000101010101" pitchFamily="18" charset="-127"/>
+              </a:rPr>
+              <a:t>?</a:t>
+            </a:r>
+            <a:endParaRPr lang="ko-KR" altLang="en-US" sz="1600" dirty="0">
+              <a:ln>
+                <a:solidFill>
+                  <a:srgbClr val="46546B">
+                    <a:alpha val="0"/>
+                  </a:srgbClr>
+                </a:solidFill>
+              </a:ln>
+              <a:solidFill>
+                <a:srgbClr val="46546B"/>
+              </a:solidFill>
+              <a:latin typeface="-윤고딕340" panose="02030504000101010101" pitchFamily="18" charset="-127"/>
+              <a:ea typeface="-윤고딕340" panose="02030504000101010101" pitchFamily="18" charset="-127"/>
+            </a:endParaRPr>
           </a:p>
         </p:txBody>
       </p:sp>
@@ -12297,7 +12495,7 @@
         </p:nvSpPr>
         <p:spPr>
           <a:xfrm>
-            <a:off x="1209834" y="3429000"/>
+            <a:off x="1209834" y="3647114"/>
             <a:ext cx="657225" cy="657225"/>
           </a:xfrm>
           <a:prstGeom prst="ellipse">
@@ -12353,6 +12551,628 @@
                   </a:srgbClr>
                 </a:innerShdw>
               </a:effectLst>
+            </a:endParaRPr>
+          </a:p>
+        </p:txBody>
+      </p:sp>
+      <p:sp>
+        <p:nvSpPr>
+          <p:cNvPr id="12" name="TextBox 11">
+            <a:extLst>
+              <a:ext uri="{FF2B5EF4-FFF2-40B4-BE49-F238E27FC236}">
+                <a16:creationId xmlns:a16="http://schemas.microsoft.com/office/drawing/2014/main" id="{5E1F3597-64A6-47FF-955A-54CB6C9B3DB9}"/>
+              </a:ext>
+            </a:extLst>
+          </p:cNvPr>
+          <p:cNvSpPr txBox="1"/>
+          <p:nvPr/>
+        </p:nvSpPr>
+        <p:spPr>
+          <a:xfrm>
+            <a:off x="1867058" y="1710482"/>
+            <a:ext cx="8161663" cy="1891352"/>
+          </a:xfrm>
+          <a:prstGeom prst="rect">
+            <a:avLst/>
+          </a:prstGeom>
+          <a:noFill/>
+        </p:spPr>
+        <p:txBody>
+          <a:bodyPr wrap="square" rtlCol="0">
+            <a:spAutoFit/>
+          </a:bodyPr>
+          <a:lstStyle/>
+          <a:p>
+            <a:pPr>
+              <a:lnSpc>
+                <a:spcPct val="150000"/>
+              </a:lnSpc>
+            </a:pPr>
+            <a:r>
+              <a:rPr lang="ko-KR" altLang="en-US" sz="1600" dirty="0">
+                <a:ln>
+                  <a:solidFill>
+                    <a:srgbClr val="46546B">
+                      <a:alpha val="0"/>
+                    </a:srgbClr>
+                  </a:solidFill>
+                </a:ln>
+                <a:latin typeface="-윤고딕340" panose="02030504000101010101" pitchFamily="18" charset="-127"/>
+                <a:ea typeface="-윤고딕340" panose="02030504000101010101" pitchFamily="18" charset="-127"/>
+              </a:rPr>
+              <a:t>현재</a:t>
+            </a:r>
+            <a:r>
+              <a:rPr lang="en-US" altLang="ko-KR" sz="1600" dirty="0">
+                <a:ln>
+                  <a:solidFill>
+                    <a:srgbClr val="46546B">
+                      <a:alpha val="0"/>
+                    </a:srgbClr>
+                  </a:solidFill>
+                </a:ln>
+                <a:latin typeface="-윤고딕340" panose="02030504000101010101" pitchFamily="18" charset="-127"/>
+                <a:ea typeface="-윤고딕340" panose="02030504000101010101" pitchFamily="18" charset="-127"/>
+              </a:rPr>
+              <a:t>, </a:t>
+            </a:r>
+            <a:r>
+              <a:rPr lang="ko-KR" altLang="en-US" sz="1600" dirty="0">
+                <a:ln>
+                  <a:solidFill>
+                    <a:srgbClr val="46546B">
+                      <a:alpha val="0"/>
+                    </a:srgbClr>
+                  </a:solidFill>
+                </a:ln>
+                <a:latin typeface="-윤고딕340" panose="02030504000101010101" pitchFamily="18" charset="-127"/>
+                <a:ea typeface="-윤고딕340" panose="02030504000101010101" pitchFamily="18" charset="-127"/>
+              </a:rPr>
+              <a:t>온라인 결제 기술들이 많이 구현되어 있는 상황입니다</a:t>
+            </a:r>
+            <a:r>
+              <a:rPr lang="en-US" altLang="ko-KR" sz="1600" dirty="0">
+                <a:ln>
+                  <a:solidFill>
+                    <a:srgbClr val="46546B">
+                      <a:alpha val="0"/>
+                    </a:srgbClr>
+                  </a:solidFill>
+                </a:ln>
+                <a:latin typeface="-윤고딕340" panose="02030504000101010101" pitchFamily="18" charset="-127"/>
+                <a:ea typeface="-윤고딕340" panose="02030504000101010101" pitchFamily="18" charset="-127"/>
+              </a:rPr>
+              <a:t>. </a:t>
+            </a:r>
+            <a:r>
+              <a:rPr lang="ko-KR" altLang="en-US" sz="1600" dirty="0">
+                <a:ln>
+                  <a:solidFill>
+                    <a:srgbClr val="46546B">
+                      <a:alpha val="0"/>
+                    </a:srgbClr>
+                  </a:solidFill>
+                </a:ln>
+                <a:latin typeface="-윤고딕340" panose="02030504000101010101" pitchFamily="18" charset="-127"/>
+                <a:ea typeface="-윤고딕340" panose="02030504000101010101" pitchFamily="18" charset="-127"/>
+              </a:rPr>
+              <a:t>실제로 저희가 결제 시스템을 </a:t>
+            </a:r>
+            <a:r>
+              <a:rPr lang="ko-KR" altLang="en-US" sz="1600" b="1" dirty="0">
+                <a:ln>
+                  <a:solidFill>
+                    <a:srgbClr val="46546B">
+                      <a:alpha val="0"/>
+                    </a:srgbClr>
+                  </a:solidFill>
+                </a:ln>
+                <a:latin typeface="-윤고딕340" panose="02030504000101010101" pitchFamily="18" charset="-127"/>
+                <a:ea typeface="-윤고딕340" panose="02030504000101010101" pitchFamily="18" charset="-127"/>
+              </a:rPr>
+              <a:t>직접 구현</a:t>
+            </a:r>
+            <a:r>
+              <a:rPr lang="ko-KR" altLang="en-US" sz="1600" dirty="0">
+                <a:ln>
+                  <a:solidFill>
+                    <a:srgbClr val="46546B">
+                      <a:alpha val="0"/>
+                    </a:srgbClr>
+                  </a:solidFill>
+                </a:ln>
+                <a:latin typeface="-윤고딕340" panose="02030504000101010101" pitchFamily="18" charset="-127"/>
+                <a:ea typeface="-윤고딕340" panose="02030504000101010101" pitchFamily="18" charset="-127"/>
+              </a:rPr>
+              <a:t>하게 된다면 기존의 기술들보다 </a:t>
+            </a:r>
+            <a:r>
+              <a:rPr lang="ko-KR" altLang="en-US" sz="1600" b="1" dirty="0">
+                <a:ln>
+                  <a:solidFill>
+                    <a:srgbClr val="46546B">
+                      <a:alpha val="0"/>
+                    </a:srgbClr>
+                  </a:solidFill>
+                </a:ln>
+                <a:latin typeface="-윤고딕340" panose="02030504000101010101" pitchFamily="18" charset="-127"/>
+                <a:ea typeface="-윤고딕340" panose="02030504000101010101" pitchFamily="18" charset="-127"/>
+              </a:rPr>
+              <a:t>불안정하고 보안의 어려움이 발생</a:t>
+            </a:r>
+            <a:r>
+              <a:rPr lang="ko-KR" altLang="en-US" sz="1600" dirty="0">
+                <a:ln>
+                  <a:solidFill>
+                    <a:srgbClr val="46546B">
+                      <a:alpha val="0"/>
+                    </a:srgbClr>
+                  </a:solidFill>
+                </a:ln>
+                <a:latin typeface="-윤고딕340" panose="02030504000101010101" pitchFamily="18" charset="-127"/>
+                <a:ea typeface="-윤고딕340" panose="02030504000101010101" pitchFamily="18" charset="-127"/>
+              </a:rPr>
+              <a:t>할 수 있다고 </a:t>
+            </a:r>
+            <a:r>
+              <a:rPr lang="ko-KR" altLang="en-US" sz="1600" dirty="0" err="1">
+                <a:ln>
+                  <a:solidFill>
+                    <a:srgbClr val="46546B">
+                      <a:alpha val="0"/>
+                    </a:srgbClr>
+                  </a:solidFill>
+                </a:ln>
+                <a:latin typeface="-윤고딕340" panose="02030504000101010101" pitchFamily="18" charset="-127"/>
+                <a:ea typeface="-윤고딕340" panose="02030504000101010101" pitchFamily="18" charset="-127"/>
+              </a:rPr>
+              <a:t>판단하고있습니다</a:t>
+            </a:r>
+            <a:r>
+              <a:rPr lang="en-US" altLang="ko-KR" sz="1600" dirty="0">
+                <a:ln>
+                  <a:solidFill>
+                    <a:srgbClr val="46546B">
+                      <a:alpha val="0"/>
+                    </a:srgbClr>
+                  </a:solidFill>
+                </a:ln>
+                <a:latin typeface="-윤고딕340" panose="02030504000101010101" pitchFamily="18" charset="-127"/>
+                <a:ea typeface="-윤고딕340" panose="02030504000101010101" pitchFamily="18" charset="-127"/>
+              </a:rPr>
+              <a:t>. </a:t>
+            </a:r>
+            <a:r>
+              <a:rPr lang="ko-KR" altLang="en-US" sz="1600" dirty="0">
+                <a:ln>
+                  <a:solidFill>
+                    <a:srgbClr val="46546B">
+                      <a:alpha val="0"/>
+                    </a:srgbClr>
+                  </a:solidFill>
+                </a:ln>
+                <a:latin typeface="-윤고딕340" panose="02030504000101010101" pitchFamily="18" charset="-127"/>
+                <a:ea typeface="-윤고딕340" panose="02030504000101010101" pitchFamily="18" charset="-127"/>
+              </a:rPr>
+              <a:t>따라서 이미 많은 사용자들이 사용하고 있고 충분히 안정적으로 </a:t>
+            </a:r>
+            <a:r>
+              <a:rPr lang="ko-KR" altLang="en-US" sz="1600" b="1" dirty="0">
+                <a:ln>
+                  <a:solidFill>
+                    <a:srgbClr val="46546B">
+                      <a:alpha val="0"/>
+                    </a:srgbClr>
+                  </a:solidFill>
+                </a:ln>
+                <a:latin typeface="-윤고딕340" panose="02030504000101010101" pitchFamily="18" charset="-127"/>
+                <a:ea typeface="-윤고딕340" panose="02030504000101010101" pitchFamily="18" charset="-127"/>
+              </a:rPr>
+              <a:t>미리 구현되어 </a:t>
+            </a:r>
+            <a:r>
+              <a:rPr lang="ko-KR" altLang="en-US" sz="1600" dirty="0">
+                <a:ln>
+                  <a:solidFill>
+                    <a:srgbClr val="46546B">
+                      <a:alpha val="0"/>
+                    </a:srgbClr>
+                  </a:solidFill>
+                </a:ln>
+                <a:latin typeface="-윤고딕340" panose="02030504000101010101" pitchFamily="18" charset="-127"/>
+                <a:ea typeface="-윤고딕340" panose="02030504000101010101" pitchFamily="18" charset="-127"/>
+              </a:rPr>
+              <a:t>있는 </a:t>
+            </a:r>
+            <a:r>
+              <a:rPr lang="ko-KR" altLang="en-US" sz="1600" b="1" dirty="0">
+                <a:ln>
+                  <a:solidFill>
+                    <a:srgbClr val="46546B">
+                      <a:alpha val="0"/>
+                    </a:srgbClr>
+                  </a:solidFill>
+                </a:ln>
+                <a:latin typeface="-윤고딕340" panose="02030504000101010101" pitchFamily="18" charset="-127"/>
+                <a:ea typeface="-윤고딕340" panose="02030504000101010101" pitchFamily="18" charset="-127"/>
+              </a:rPr>
+              <a:t>신뢰도 높은 온라인 결제 시스템</a:t>
+            </a:r>
+            <a:r>
+              <a:rPr lang="ko-KR" altLang="en-US" sz="1600" dirty="0">
+                <a:ln>
+                  <a:solidFill>
+                    <a:srgbClr val="46546B">
+                      <a:alpha val="0"/>
+                    </a:srgbClr>
+                  </a:solidFill>
+                </a:ln>
+                <a:latin typeface="-윤고딕340" panose="02030504000101010101" pitchFamily="18" charset="-127"/>
+                <a:ea typeface="-윤고딕340" panose="02030504000101010101" pitchFamily="18" charset="-127"/>
+              </a:rPr>
+              <a:t>을 사용할 생각입니다</a:t>
+            </a:r>
+            <a:r>
+              <a:rPr lang="en-US" altLang="ko-KR" sz="1600" dirty="0">
+                <a:ln>
+                  <a:solidFill>
+                    <a:srgbClr val="46546B">
+                      <a:alpha val="0"/>
+                    </a:srgbClr>
+                  </a:solidFill>
+                </a:ln>
+                <a:latin typeface="-윤고딕340" panose="02030504000101010101" pitchFamily="18" charset="-127"/>
+                <a:ea typeface="-윤고딕340" panose="02030504000101010101" pitchFamily="18" charset="-127"/>
+              </a:rPr>
+              <a:t>.</a:t>
+            </a:r>
+          </a:p>
+          <a:p>
+            <a:pPr>
+              <a:lnSpc>
+                <a:spcPct val="150000"/>
+              </a:lnSpc>
+            </a:pPr>
+            <a:r>
+              <a:rPr lang="en-US" altLang="ko-KR" sz="1600" dirty="0">
+                <a:ln>
+                  <a:solidFill>
+                    <a:srgbClr val="46546B">
+                      <a:alpha val="0"/>
+                    </a:srgbClr>
+                  </a:solidFill>
+                </a:ln>
+                <a:latin typeface="-윤고딕340" panose="02030504000101010101" pitchFamily="18" charset="-127"/>
+                <a:ea typeface="-윤고딕340" panose="02030504000101010101" pitchFamily="18" charset="-127"/>
+              </a:rPr>
+              <a:t>Ex) </a:t>
+            </a:r>
+            <a:r>
+              <a:rPr lang="ko-KR" altLang="en-US" sz="1600" dirty="0" err="1">
+                <a:ln>
+                  <a:solidFill>
+                    <a:srgbClr val="46546B">
+                      <a:alpha val="0"/>
+                    </a:srgbClr>
+                  </a:solidFill>
+                </a:ln>
+                <a:latin typeface="-윤고딕340" panose="02030504000101010101" pitchFamily="18" charset="-127"/>
+                <a:ea typeface="-윤고딕340" panose="02030504000101010101" pitchFamily="18" charset="-127"/>
+              </a:rPr>
+              <a:t>이노페이</a:t>
+            </a:r>
+            <a:r>
+              <a:rPr lang="ko-KR" altLang="en-US" sz="1600" dirty="0">
+                <a:ln>
+                  <a:solidFill>
+                    <a:srgbClr val="46546B">
+                      <a:alpha val="0"/>
+                    </a:srgbClr>
+                  </a:solidFill>
+                </a:ln>
+                <a:latin typeface="-윤고딕340" panose="02030504000101010101" pitchFamily="18" charset="-127"/>
+                <a:ea typeface="-윤고딕340" panose="02030504000101010101" pitchFamily="18" charset="-127"/>
+              </a:rPr>
+              <a:t> </a:t>
+            </a:r>
+            <a:r>
+              <a:rPr lang="en-US" altLang="ko-KR" sz="1600" dirty="0">
+                <a:ln>
+                  <a:solidFill>
+                    <a:srgbClr val="46546B">
+                      <a:alpha val="0"/>
+                    </a:srgbClr>
+                  </a:solidFill>
+                </a:ln>
+                <a:latin typeface="-윤고딕340" panose="02030504000101010101" pitchFamily="18" charset="-127"/>
+                <a:ea typeface="-윤고딕340" panose="02030504000101010101" pitchFamily="18" charset="-127"/>
+              </a:rPr>
+              <a:t>/ </a:t>
+            </a:r>
+            <a:r>
+              <a:rPr lang="ko-KR" altLang="en-US" sz="1600" dirty="0">
+                <a:ln>
+                  <a:solidFill>
+                    <a:srgbClr val="46546B">
+                      <a:alpha val="0"/>
+                    </a:srgbClr>
+                  </a:solidFill>
+                </a:ln>
+                <a:latin typeface="-윤고딕340" panose="02030504000101010101" pitchFamily="18" charset="-127"/>
+                <a:ea typeface="-윤고딕340" panose="02030504000101010101" pitchFamily="18" charset="-127"/>
+              </a:rPr>
+              <a:t>카카오페이</a:t>
+            </a:r>
+            <a:r>
+              <a:rPr lang="en-US" altLang="ko-KR" sz="1600" dirty="0">
+                <a:ln>
+                  <a:solidFill>
+                    <a:srgbClr val="46546B">
+                      <a:alpha val="0"/>
+                    </a:srgbClr>
+                  </a:solidFill>
+                </a:ln>
+                <a:latin typeface="-윤고딕340" panose="02030504000101010101" pitchFamily="18" charset="-127"/>
+                <a:ea typeface="-윤고딕340" panose="02030504000101010101" pitchFamily="18" charset="-127"/>
+              </a:rPr>
+              <a:t> / </a:t>
+            </a:r>
+            <a:r>
+              <a:rPr lang="ko-KR" altLang="en-US" sz="1600" dirty="0">
+                <a:ln>
+                  <a:solidFill>
+                    <a:srgbClr val="46546B">
+                      <a:alpha val="0"/>
+                    </a:srgbClr>
+                  </a:solidFill>
+                </a:ln>
+                <a:latin typeface="-윤고딕340" panose="02030504000101010101" pitchFamily="18" charset="-127"/>
+                <a:ea typeface="-윤고딕340" panose="02030504000101010101" pitchFamily="18" charset="-127"/>
+              </a:rPr>
+              <a:t>삼성페이</a:t>
+            </a:r>
+          </a:p>
+        </p:txBody>
+      </p:sp>
+      <p:sp>
+        <p:nvSpPr>
+          <p:cNvPr id="13" name="TextBox 12">
+            <a:extLst>
+              <a:ext uri="{FF2B5EF4-FFF2-40B4-BE49-F238E27FC236}">
+                <a16:creationId xmlns:a16="http://schemas.microsoft.com/office/drawing/2014/main" id="{83E2D581-E441-499C-805D-F12579BE0AB1}"/>
+              </a:ext>
+            </a:extLst>
+          </p:cNvPr>
+          <p:cNvSpPr txBox="1"/>
+          <p:nvPr/>
+        </p:nvSpPr>
+        <p:spPr>
+          <a:xfrm>
+            <a:off x="1867058" y="4515754"/>
+            <a:ext cx="8161663" cy="1522020"/>
+          </a:xfrm>
+          <a:prstGeom prst="rect">
+            <a:avLst/>
+          </a:prstGeom>
+          <a:noFill/>
+        </p:spPr>
+        <p:txBody>
+          <a:bodyPr wrap="square" rtlCol="0">
+            <a:spAutoFit/>
+          </a:bodyPr>
+          <a:lstStyle/>
+          <a:p>
+            <a:pPr>
+              <a:lnSpc>
+                <a:spcPct val="150000"/>
+              </a:lnSpc>
+            </a:pPr>
+            <a:r>
+              <a:rPr lang="ko-KR" altLang="en-US" sz="1600" dirty="0">
+                <a:ln>
+                  <a:solidFill>
+                    <a:srgbClr val="46546B">
+                      <a:alpha val="0"/>
+                    </a:srgbClr>
+                  </a:solidFill>
+                </a:ln>
+                <a:latin typeface="-윤고딕340" panose="02030504000101010101" pitchFamily="18" charset="-127"/>
+                <a:ea typeface="-윤고딕340" panose="02030504000101010101" pitchFamily="18" charset="-127"/>
+              </a:rPr>
+              <a:t>우선적으로는 </a:t>
+            </a:r>
+            <a:r>
+              <a:rPr lang="ko-KR" altLang="en-US" sz="1600" b="1" dirty="0">
+                <a:ln>
+                  <a:solidFill>
+                    <a:srgbClr val="46546B">
+                      <a:alpha val="0"/>
+                    </a:srgbClr>
+                  </a:solidFill>
+                </a:ln>
+                <a:latin typeface="-윤고딕340" panose="02030504000101010101" pitchFamily="18" charset="-127"/>
+                <a:ea typeface="-윤고딕340" panose="02030504000101010101" pitchFamily="18" charset="-127"/>
+              </a:rPr>
+              <a:t>카드의 혜택을 최대로 추천하는 것</a:t>
+            </a:r>
+            <a:r>
+              <a:rPr lang="ko-KR" altLang="en-US" sz="1600" dirty="0">
+                <a:ln>
+                  <a:solidFill>
+                    <a:srgbClr val="46546B">
+                      <a:alpha val="0"/>
+                    </a:srgbClr>
+                  </a:solidFill>
+                </a:ln>
+                <a:latin typeface="-윤고딕340" panose="02030504000101010101" pitchFamily="18" charset="-127"/>
+                <a:ea typeface="-윤고딕340" panose="02030504000101010101" pitchFamily="18" charset="-127"/>
+              </a:rPr>
+              <a:t>을 목표로 하고 있습니다</a:t>
+            </a:r>
+            <a:r>
+              <a:rPr lang="en-US" altLang="ko-KR" sz="1600" dirty="0">
+                <a:ln>
+                  <a:solidFill>
+                    <a:srgbClr val="46546B">
+                      <a:alpha val="0"/>
+                    </a:srgbClr>
+                  </a:solidFill>
+                </a:ln>
+                <a:latin typeface="-윤고딕340" panose="02030504000101010101" pitchFamily="18" charset="-127"/>
+                <a:ea typeface="-윤고딕340" panose="02030504000101010101" pitchFamily="18" charset="-127"/>
+              </a:rPr>
+              <a:t>. </a:t>
+            </a:r>
+            <a:r>
+              <a:rPr lang="ko-KR" altLang="en-US" sz="1600" dirty="0">
+                <a:ln>
+                  <a:solidFill>
+                    <a:srgbClr val="46546B">
+                      <a:alpha val="0"/>
+                    </a:srgbClr>
+                  </a:solidFill>
+                </a:ln>
+                <a:latin typeface="-윤고딕340" panose="02030504000101010101" pitchFamily="18" charset="-127"/>
+                <a:ea typeface="-윤고딕340" panose="02030504000101010101" pitchFamily="18" charset="-127"/>
+              </a:rPr>
+              <a:t>말씀해주신 부분 역시 고려해본 사항입니다</a:t>
+            </a:r>
+            <a:r>
+              <a:rPr lang="en-US" altLang="ko-KR" sz="1600" dirty="0">
+                <a:ln>
+                  <a:solidFill>
+                    <a:srgbClr val="46546B">
+                      <a:alpha val="0"/>
+                    </a:srgbClr>
+                  </a:solidFill>
+                </a:ln>
+                <a:latin typeface="-윤고딕340" panose="02030504000101010101" pitchFamily="18" charset="-127"/>
+                <a:ea typeface="-윤고딕340" panose="02030504000101010101" pitchFamily="18" charset="-127"/>
+              </a:rPr>
+              <a:t>. </a:t>
+            </a:r>
+            <a:r>
+              <a:rPr lang="ko-KR" altLang="en-US" sz="1600" dirty="0">
+                <a:ln>
+                  <a:solidFill>
+                    <a:srgbClr val="46546B">
+                      <a:alpha val="0"/>
+                    </a:srgbClr>
+                  </a:solidFill>
+                </a:ln>
+                <a:latin typeface="-윤고딕340" panose="02030504000101010101" pitchFamily="18" charset="-127"/>
+                <a:ea typeface="-윤고딕340" panose="02030504000101010101" pitchFamily="18" charset="-127"/>
+              </a:rPr>
+              <a:t>각 카드마다 카카오페이</a:t>
+            </a:r>
+            <a:r>
+              <a:rPr lang="en-US" altLang="ko-KR" sz="1600" dirty="0">
+                <a:ln>
+                  <a:solidFill>
+                    <a:srgbClr val="46546B">
+                      <a:alpha val="0"/>
+                    </a:srgbClr>
+                  </a:solidFill>
+                </a:ln>
+                <a:latin typeface="-윤고딕340" panose="02030504000101010101" pitchFamily="18" charset="-127"/>
+                <a:ea typeface="-윤고딕340" panose="02030504000101010101" pitchFamily="18" charset="-127"/>
+              </a:rPr>
+              <a:t>, </a:t>
+            </a:r>
+            <a:r>
+              <a:rPr lang="ko-KR" altLang="en-US" sz="1600" dirty="0">
+                <a:ln>
+                  <a:solidFill>
+                    <a:srgbClr val="46546B">
+                      <a:alpha val="0"/>
+                    </a:srgbClr>
+                  </a:solidFill>
+                </a:ln>
+                <a:latin typeface="-윤고딕340" panose="02030504000101010101" pitchFamily="18" charset="-127"/>
+                <a:ea typeface="-윤고딕340" panose="02030504000101010101" pitchFamily="18" charset="-127"/>
+              </a:rPr>
+              <a:t>삼성페이 같은 시스템을 통해 </a:t>
+            </a:r>
+            <a:r>
+              <a:rPr lang="ko-KR" altLang="en-US" sz="1600" b="1" dirty="0">
+                <a:ln>
+                  <a:solidFill>
+                    <a:srgbClr val="46546B">
+                      <a:alpha val="0"/>
+                    </a:srgbClr>
+                  </a:solidFill>
+                </a:ln>
+                <a:latin typeface="-윤고딕340" panose="02030504000101010101" pitchFamily="18" charset="-127"/>
+                <a:ea typeface="-윤고딕340" panose="02030504000101010101" pitchFamily="18" charset="-127"/>
+              </a:rPr>
+              <a:t>추가 할인 혜택을 제공</a:t>
+            </a:r>
+            <a:r>
+              <a:rPr lang="ko-KR" altLang="en-US" sz="1600" dirty="0">
+                <a:ln>
+                  <a:solidFill>
+                    <a:srgbClr val="46546B">
+                      <a:alpha val="0"/>
+                    </a:srgbClr>
+                  </a:solidFill>
+                </a:ln>
+                <a:latin typeface="-윤고딕340" panose="02030504000101010101" pitchFamily="18" charset="-127"/>
+                <a:ea typeface="-윤고딕340" panose="02030504000101010101" pitchFamily="18" charset="-127"/>
+              </a:rPr>
+              <a:t>하는 부분은 인지하고 있었습니다만 본질적으로 카드의 혜택에 대해서 </a:t>
+            </a:r>
+            <a:r>
+              <a:rPr lang="ko-KR" altLang="en-US" sz="1600" b="1" dirty="0">
+                <a:ln>
+                  <a:solidFill>
+                    <a:srgbClr val="46546B">
+                      <a:alpha val="0"/>
+                    </a:srgbClr>
+                  </a:solidFill>
+                </a:ln>
+                <a:latin typeface="-윤고딕340" panose="02030504000101010101" pitchFamily="18" charset="-127"/>
+                <a:ea typeface="-윤고딕340" panose="02030504000101010101" pitchFamily="18" charset="-127"/>
+              </a:rPr>
+              <a:t>정밀하게 추천해주는 알고리즘</a:t>
+            </a:r>
+            <a:r>
+              <a:rPr lang="ko-KR" altLang="en-US" sz="1600" dirty="0">
+                <a:ln>
+                  <a:solidFill>
+                    <a:srgbClr val="46546B">
+                      <a:alpha val="0"/>
+                    </a:srgbClr>
+                  </a:solidFill>
+                </a:ln>
+                <a:latin typeface="-윤고딕340" panose="02030504000101010101" pitchFamily="18" charset="-127"/>
+                <a:ea typeface="-윤고딕340" panose="02030504000101010101" pitchFamily="18" charset="-127"/>
+              </a:rPr>
+              <a:t>을 우선순위로 생각하고 있습니다</a:t>
+            </a:r>
+            <a:r>
+              <a:rPr lang="en-US" altLang="ko-KR" sz="1600" dirty="0">
+                <a:ln>
+                  <a:solidFill>
+                    <a:srgbClr val="46546B">
+                      <a:alpha val="0"/>
+                    </a:srgbClr>
+                  </a:solidFill>
+                </a:ln>
+                <a:latin typeface="-윤고딕340" panose="02030504000101010101" pitchFamily="18" charset="-127"/>
+                <a:ea typeface="-윤고딕340" panose="02030504000101010101" pitchFamily="18" charset="-127"/>
+              </a:rPr>
+              <a:t>. </a:t>
+            </a:r>
+            <a:endParaRPr lang="ko-KR" altLang="en-US" sz="1600" dirty="0">
+              <a:ln>
+                <a:solidFill>
+                  <a:srgbClr val="46546B">
+                    <a:alpha val="0"/>
+                  </a:srgbClr>
+                </a:solidFill>
+              </a:ln>
+              <a:latin typeface="-윤고딕340" panose="02030504000101010101" pitchFamily="18" charset="-127"/>
+              <a:ea typeface="-윤고딕340" panose="02030504000101010101" pitchFamily="18" charset="-127"/>
             </a:endParaRPr>
           </a:p>
         </p:txBody>
@@ -13161,7 +13981,7 @@
         </p:nvSpPr>
         <p:spPr>
           <a:xfrm>
-            <a:off x="5529981" y="2421245"/>
+            <a:off x="5831985" y="2270243"/>
             <a:ext cx="1132041" cy="338554"/>
           </a:xfrm>
           <a:prstGeom prst="rect">
@@ -13204,7 +14024,7 @@
         </p:nvSpPr>
         <p:spPr>
           <a:xfrm>
-            <a:off x="5559636" y="2980708"/>
+            <a:off x="5861640" y="2829706"/>
             <a:ext cx="1072731" cy="338554"/>
           </a:xfrm>
           <a:prstGeom prst="rect">
@@ -13247,7 +14067,7 @@
         </p:nvSpPr>
         <p:spPr>
           <a:xfrm>
-            <a:off x="5661912" y="3543557"/>
+            <a:off x="5963916" y="3392555"/>
             <a:ext cx="821059" cy="338554"/>
           </a:xfrm>
           <a:prstGeom prst="rect">
@@ -13290,7 +14110,7 @@
         </p:nvSpPr>
         <p:spPr>
           <a:xfrm>
-            <a:off x="3272525" y="2458925"/>
+            <a:off x="3574529" y="2307923"/>
             <a:ext cx="551005" cy="282753"/>
           </a:xfrm>
           <a:prstGeom prst="rect">
@@ -13336,7 +14156,7 @@
         </p:nvSpPr>
         <p:spPr>
           <a:xfrm>
-            <a:off x="3356665" y="2464679"/>
+            <a:off x="3658669" y="2313677"/>
             <a:ext cx="380232" cy="276999"/>
           </a:xfrm>
           <a:prstGeom prst="rect">
@@ -13393,7 +14213,7 @@
         </p:nvSpPr>
         <p:spPr>
           <a:xfrm>
-            <a:off x="3271279" y="3020081"/>
+            <a:off x="3573283" y="2869079"/>
             <a:ext cx="551005" cy="282753"/>
           </a:xfrm>
           <a:prstGeom prst="rect">
@@ -13439,7 +14259,7 @@
         </p:nvSpPr>
         <p:spPr>
           <a:xfrm>
-            <a:off x="3356665" y="3029578"/>
+            <a:off x="3658669" y="2878576"/>
             <a:ext cx="380232" cy="276999"/>
           </a:xfrm>
           <a:prstGeom prst="rect">
@@ -13496,7 +14316,7 @@
         </p:nvSpPr>
         <p:spPr>
           <a:xfrm>
-            <a:off x="3271279" y="3581237"/>
+            <a:off x="3573283" y="3430235"/>
             <a:ext cx="551005" cy="282753"/>
           </a:xfrm>
           <a:prstGeom prst="rect">
@@ -13542,7 +14362,7 @@
         </p:nvSpPr>
         <p:spPr>
           <a:xfrm>
-            <a:off x="3356665" y="3577638"/>
+            <a:off x="3658669" y="3426636"/>
             <a:ext cx="380232" cy="276999"/>
           </a:xfrm>
           <a:prstGeom prst="rect">
@@ -13605,7 +14425,7 @@
         </p:nvSpPr>
         <p:spPr>
           <a:xfrm>
-            <a:off x="3271278" y="4133040"/>
+            <a:off x="3573282" y="3982038"/>
             <a:ext cx="551005" cy="282753"/>
           </a:xfrm>
           <a:prstGeom prst="rect">
@@ -13657,7 +14477,7 @@
         </p:nvSpPr>
         <p:spPr>
           <a:xfrm>
-            <a:off x="3356665" y="4122810"/>
+            <a:off x="3658669" y="3971808"/>
             <a:ext cx="380232" cy="276999"/>
           </a:xfrm>
           <a:prstGeom prst="rect">
@@ -13706,7 +14526,7 @@
         </p:nvSpPr>
         <p:spPr>
           <a:xfrm>
-            <a:off x="5524529" y="4095360"/>
+            <a:off x="5826533" y="3944358"/>
             <a:ext cx="1142942" cy="338554"/>
           </a:xfrm>
           <a:prstGeom prst="rect">
@@ -14325,8 +15145,8 @@
         </p:nvSpPr>
         <p:spPr>
           <a:xfrm>
-            <a:off x="8305800" y="2152650"/>
-            <a:ext cx="1400175" cy="369332"/>
+            <a:off x="6419053" y="2144890"/>
+            <a:ext cx="4822195" cy="400110"/>
           </a:xfrm>
           <a:prstGeom prst="rect">
             <a:avLst/>
@@ -14339,7 +15159,276 @@
           </a:bodyPr>
           <a:lstStyle/>
           <a:p>
+            <a:r>
+              <a:rPr lang="ko-KR" altLang="en-US" dirty="0"/>
+              <a:t>가장 많은 달에는 </a:t>
+            </a:r>
+            <a:r>
+              <a:rPr lang="en-US" altLang="ko-KR" sz="2000" b="1" dirty="0"/>
+              <a:t>1</a:t>
+            </a:r>
+            <a:r>
+              <a:rPr lang="ko-KR" altLang="en-US" sz="2000" b="1" dirty="0"/>
+              <a:t>억</a:t>
+            </a:r>
+            <a:r>
+              <a:rPr lang="en-US" altLang="ko-KR" sz="2000" b="1" dirty="0"/>
+              <a:t>3</a:t>
+            </a:r>
+            <a:r>
+              <a:rPr lang="ko-KR" altLang="en-US" sz="2000" b="1" dirty="0"/>
+              <a:t>천건 카드 발급</a:t>
+            </a:r>
+            <a:r>
+              <a:rPr lang="ko-KR" altLang="en-US" dirty="0"/>
+              <a:t> </a:t>
+            </a:r>
+          </a:p>
+        </p:txBody>
+      </p:sp>
+      <p:sp>
+        <p:nvSpPr>
+          <p:cNvPr id="14" name="TextBox 13">
+            <a:extLst>
+              <a:ext uri="{FF2B5EF4-FFF2-40B4-BE49-F238E27FC236}">
+                <a16:creationId xmlns:a16="http://schemas.microsoft.com/office/drawing/2014/main" id="{2FE47C54-51C5-4988-B387-4222B2850BD8}"/>
+              </a:ext>
+            </a:extLst>
+          </p:cNvPr>
+          <p:cNvSpPr txBox="1"/>
+          <p:nvPr/>
+        </p:nvSpPr>
+        <p:spPr>
+          <a:xfrm>
+            <a:off x="6419053" y="2724214"/>
+            <a:ext cx="4822195" cy="646331"/>
+          </a:xfrm>
+          <a:prstGeom prst="rect">
+            <a:avLst/>
+          </a:prstGeom>
+          <a:noFill/>
+        </p:spPr>
+        <p:txBody>
+          <a:bodyPr wrap="square" rtlCol="0">
+            <a:spAutoFit/>
+          </a:bodyPr>
+          <a:lstStyle/>
+          <a:p>
+            <a:r>
+              <a:rPr lang="en-US" altLang="ko-KR" dirty="0">
+                <a:sym typeface="Wingdings" panose="05000000000000000000" pitchFamily="2" charset="2"/>
+              </a:rPr>
+              <a:t> </a:t>
+            </a:r>
+            <a:r>
+              <a:rPr lang="ko-KR" altLang="en-US" dirty="0">
+                <a:sym typeface="Wingdings" panose="05000000000000000000" pitchFamily="2" charset="2"/>
+              </a:rPr>
+              <a:t>개인이 보유하는 </a:t>
+            </a:r>
+            <a:r>
+              <a:rPr lang="ko-KR" altLang="en-US" b="1" dirty="0">
+                <a:sym typeface="Wingdings" panose="05000000000000000000" pitchFamily="2" charset="2"/>
+              </a:rPr>
+              <a:t>카드가 많을 수록 관리</a:t>
+            </a:r>
+            <a:r>
+              <a:rPr lang="ko-KR" altLang="en-US" dirty="0">
+                <a:sym typeface="Wingdings" panose="05000000000000000000" pitchFamily="2" charset="2"/>
+              </a:rPr>
+              <a:t>에 </a:t>
+            </a:r>
+            <a:r>
+              <a:rPr lang="ko-KR" altLang="en-US" b="1" dirty="0">
+                <a:sym typeface="Wingdings" panose="05000000000000000000" pitchFamily="2" charset="2"/>
+              </a:rPr>
+              <a:t>어려움</a:t>
+            </a:r>
+            <a:r>
+              <a:rPr lang="ko-KR" altLang="en-US" dirty="0">
+                <a:sym typeface="Wingdings" panose="05000000000000000000" pitchFamily="2" charset="2"/>
+              </a:rPr>
+              <a:t>이 발생할 수 있음</a:t>
+            </a:r>
+            <a:r>
+              <a:rPr lang="en-US" altLang="ko-KR" dirty="0">
+                <a:sym typeface="Wingdings" panose="05000000000000000000" pitchFamily="2" charset="2"/>
+              </a:rPr>
+              <a:t>.</a:t>
+            </a:r>
             <a:endParaRPr lang="ko-KR" altLang="en-US" dirty="0"/>
+          </a:p>
+        </p:txBody>
+      </p:sp>
+      <p:sp>
+        <p:nvSpPr>
+          <p:cNvPr id="15" name="TextBox 14">
+            <a:extLst>
+              <a:ext uri="{FF2B5EF4-FFF2-40B4-BE49-F238E27FC236}">
+                <a16:creationId xmlns:a16="http://schemas.microsoft.com/office/drawing/2014/main" id="{A5B0FB82-8DED-44C6-AEF1-86D33453ADE7}"/>
+              </a:ext>
+            </a:extLst>
+          </p:cNvPr>
+          <p:cNvSpPr txBox="1"/>
+          <p:nvPr/>
+        </p:nvSpPr>
+        <p:spPr>
+          <a:xfrm>
+            <a:off x="1273805" y="4849082"/>
+            <a:ext cx="4822195" cy="400110"/>
+          </a:xfrm>
+          <a:prstGeom prst="rect">
+            <a:avLst/>
+          </a:prstGeom>
+          <a:noFill/>
+        </p:spPr>
+        <p:txBody>
+          <a:bodyPr wrap="square" rtlCol="0">
+            <a:spAutoFit/>
+          </a:bodyPr>
+          <a:lstStyle/>
+          <a:p>
+            <a:pPr algn="r"/>
+            <a:r>
+              <a:rPr lang="ko-KR" altLang="en-US" dirty="0"/>
+              <a:t>최대 </a:t>
+            </a:r>
+            <a:r>
+              <a:rPr lang="en-US" altLang="ko-KR" sz="2000" b="1" dirty="0"/>
+              <a:t>11</a:t>
+            </a:r>
+            <a:r>
+              <a:rPr lang="ko-KR" altLang="en-US" sz="2000" b="1" dirty="0"/>
+              <a:t>억 </a:t>
+            </a:r>
+            <a:r>
+              <a:rPr lang="en-US" altLang="ko-KR" sz="2000" b="1" dirty="0"/>
+              <a:t>5</a:t>
+            </a:r>
+            <a:r>
+              <a:rPr lang="ko-KR" altLang="en-US" sz="2000" b="1" dirty="0" err="1"/>
+              <a:t>천만건</a:t>
+            </a:r>
+            <a:r>
+              <a:rPr lang="ko-KR" altLang="en-US" dirty="0" err="1"/>
+              <a:t>이</a:t>
+            </a:r>
+            <a:r>
+              <a:rPr lang="ko-KR" altLang="en-US" dirty="0"/>
+              <a:t> 넘는 월간 이용건수</a:t>
+            </a:r>
+          </a:p>
+        </p:txBody>
+      </p:sp>
+      <p:sp>
+        <p:nvSpPr>
+          <p:cNvPr id="16" name="TextBox 15">
+            <a:extLst>
+              <a:ext uri="{FF2B5EF4-FFF2-40B4-BE49-F238E27FC236}">
+                <a16:creationId xmlns:a16="http://schemas.microsoft.com/office/drawing/2014/main" id="{68AF15DD-6EA7-453D-BE65-E9A370FBD057}"/>
+              </a:ext>
+            </a:extLst>
+          </p:cNvPr>
+          <p:cNvSpPr txBox="1"/>
+          <p:nvPr/>
+        </p:nvSpPr>
+        <p:spPr>
+          <a:xfrm>
+            <a:off x="1273805" y="5428406"/>
+            <a:ext cx="4822195" cy="646331"/>
+          </a:xfrm>
+          <a:prstGeom prst="rect">
+            <a:avLst/>
+          </a:prstGeom>
+          <a:noFill/>
+        </p:spPr>
+        <p:txBody>
+          <a:bodyPr wrap="square" rtlCol="0">
+            <a:spAutoFit/>
+          </a:bodyPr>
+          <a:lstStyle/>
+          <a:p>
+            <a:pPr algn="r"/>
+            <a:r>
+              <a:rPr lang="ko-KR" altLang="en-US" b="1" dirty="0">
+                <a:sym typeface="Wingdings" panose="05000000000000000000" pitchFamily="2" charset="2"/>
+              </a:rPr>
+              <a:t>신용카드를 이용</a:t>
+            </a:r>
+            <a:r>
+              <a:rPr lang="ko-KR" altLang="en-US" dirty="0">
+                <a:sym typeface="Wingdings" panose="05000000000000000000" pitchFamily="2" charset="2"/>
+              </a:rPr>
+              <a:t>하여 </a:t>
+            </a:r>
+            <a:r>
+              <a:rPr lang="ko-KR" altLang="en-US" b="1" dirty="0">
+                <a:sym typeface="Wingdings" panose="05000000000000000000" pitchFamily="2" charset="2"/>
+              </a:rPr>
+              <a:t>결제</a:t>
+            </a:r>
+            <a:r>
+              <a:rPr lang="ko-KR" altLang="en-US" dirty="0">
+                <a:sym typeface="Wingdings" panose="05000000000000000000" pitchFamily="2" charset="2"/>
+              </a:rPr>
+              <a:t>하는 건수가</a:t>
+            </a:r>
+            <a:r>
+              <a:rPr lang="en-US" altLang="ko-KR" dirty="0">
+                <a:sym typeface="Wingdings" panose="05000000000000000000" pitchFamily="2" charset="2"/>
+              </a:rPr>
+              <a:t></a:t>
+            </a:r>
+            <a:r>
+              <a:rPr lang="ko-KR" altLang="en-US" dirty="0">
+                <a:sym typeface="Wingdings" panose="05000000000000000000" pitchFamily="2" charset="2"/>
+              </a:rPr>
+              <a:t> </a:t>
+            </a:r>
+            <a:endParaRPr lang="en-US" altLang="ko-KR" dirty="0">
+              <a:sym typeface="Wingdings" panose="05000000000000000000" pitchFamily="2" charset="2"/>
+            </a:endParaRPr>
+          </a:p>
+          <a:p>
+            <a:pPr algn="r"/>
+            <a:r>
+              <a:rPr lang="ko-KR" altLang="en-US" dirty="0">
+                <a:sym typeface="Wingdings" panose="05000000000000000000" pitchFamily="2" charset="2"/>
+              </a:rPr>
+              <a:t>꾸준히 </a:t>
+            </a:r>
+            <a:r>
+              <a:rPr lang="ko-KR" altLang="en-US" b="1" dirty="0">
+                <a:sym typeface="Wingdings" panose="05000000000000000000" pitchFamily="2" charset="2"/>
+              </a:rPr>
+              <a:t>상승세를 유지</a:t>
+            </a:r>
+            <a:r>
+              <a:rPr lang="ko-KR" altLang="en-US" dirty="0">
+                <a:sym typeface="Wingdings" panose="05000000000000000000" pitchFamily="2" charset="2"/>
+              </a:rPr>
+              <a:t>함</a:t>
+            </a:r>
+            <a:r>
+              <a:rPr lang="en-US" altLang="ko-KR" dirty="0">
+                <a:sym typeface="Wingdings" panose="05000000000000000000" pitchFamily="2" charset="2"/>
+              </a:rPr>
+              <a:t>.</a:t>
+            </a:r>
+            <a:r>
+              <a:rPr lang="ko-KR" altLang="en-US" dirty="0" err="1">
+                <a:solidFill>
+                  <a:srgbClr val="F2F2F2"/>
+                </a:solidFill>
+                <a:sym typeface="Wingdings" panose="05000000000000000000" pitchFamily="2" charset="2"/>
+              </a:rPr>
+              <a:t>ㅇ</a:t>
+            </a:r>
+            <a:endParaRPr lang="ko-KR" altLang="en-US" dirty="0">
+              <a:solidFill>
+                <a:srgbClr val="F2F2F2"/>
+              </a:solidFill>
+            </a:endParaRPr>
           </a:p>
         </p:txBody>
       </p:sp>
